--- a/docs/KC-GitOps.pptx
+++ b/docs/KC-GitOps.pptx
@@ -204,7 +204,7 @@
           <a:p>
             <a:fld id="{F1431F2B-7755-8641-B1DF-1B2DC2FE224E}" type="datetimeFigureOut">
               <a:rPr lang="en-US" smtClean="0"/>
-              <a:t>9/13/21</a:t>
+              <a:t>9/16/21</a:t>
             </a:fld>
             <a:endParaRPr lang="en-US"/>
           </a:p>
@@ -618,7 +618,7 @@
           <a:p>
             <a:fld id="{D1204122-BE1C-8847-A54C-74D36317ACF8}" type="datetimeFigureOut">
               <a:rPr lang="en-US" smtClean="0"/>
-              <a:t>9/13/21</a:t>
+              <a:t>9/16/21</a:t>
             </a:fld>
             <a:endParaRPr lang="en-US"/>
           </a:p>
@@ -816,7 +816,7 @@
           <a:p>
             <a:fld id="{D1204122-BE1C-8847-A54C-74D36317ACF8}" type="datetimeFigureOut">
               <a:rPr lang="en-US" smtClean="0"/>
-              <a:t>9/13/21</a:t>
+              <a:t>9/16/21</a:t>
             </a:fld>
             <a:endParaRPr lang="en-US"/>
           </a:p>
@@ -1024,7 +1024,7 @@
           <a:p>
             <a:fld id="{D1204122-BE1C-8847-A54C-74D36317ACF8}" type="datetimeFigureOut">
               <a:rPr lang="en-US" smtClean="0"/>
-              <a:t>9/13/21</a:t>
+              <a:t>9/16/21</a:t>
             </a:fld>
             <a:endParaRPr lang="en-US"/>
           </a:p>
@@ -1222,7 +1222,7 @@
           <a:p>
             <a:fld id="{D1204122-BE1C-8847-A54C-74D36317ACF8}" type="datetimeFigureOut">
               <a:rPr lang="en-US" smtClean="0"/>
-              <a:t>9/13/21</a:t>
+              <a:t>9/16/21</a:t>
             </a:fld>
             <a:endParaRPr lang="en-US"/>
           </a:p>
@@ -1497,7 +1497,7 @@
           <a:p>
             <a:fld id="{D1204122-BE1C-8847-A54C-74D36317ACF8}" type="datetimeFigureOut">
               <a:rPr lang="en-US" smtClean="0"/>
-              <a:t>9/13/21</a:t>
+              <a:t>9/16/21</a:t>
             </a:fld>
             <a:endParaRPr lang="en-US"/>
           </a:p>
@@ -1762,7 +1762,7 @@
           <a:p>
             <a:fld id="{D1204122-BE1C-8847-A54C-74D36317ACF8}" type="datetimeFigureOut">
               <a:rPr lang="en-US" smtClean="0"/>
-              <a:t>9/13/21</a:t>
+              <a:t>9/16/21</a:t>
             </a:fld>
             <a:endParaRPr lang="en-US"/>
           </a:p>
@@ -2174,7 +2174,7 @@
           <a:p>
             <a:fld id="{D1204122-BE1C-8847-A54C-74D36317ACF8}" type="datetimeFigureOut">
               <a:rPr lang="en-US" smtClean="0"/>
-              <a:t>9/13/21</a:t>
+              <a:t>9/16/21</a:t>
             </a:fld>
             <a:endParaRPr lang="en-US"/>
           </a:p>
@@ -2315,7 +2315,7 @@
           <a:p>
             <a:fld id="{D1204122-BE1C-8847-A54C-74D36317ACF8}" type="datetimeFigureOut">
               <a:rPr lang="en-US" smtClean="0"/>
-              <a:t>9/13/21</a:t>
+              <a:t>9/16/21</a:t>
             </a:fld>
             <a:endParaRPr lang="en-US"/>
           </a:p>
@@ -2428,7 +2428,7 @@
           <a:p>
             <a:fld id="{D1204122-BE1C-8847-A54C-74D36317ACF8}" type="datetimeFigureOut">
               <a:rPr lang="en-US" smtClean="0"/>
-              <a:t>9/13/21</a:t>
+              <a:t>9/16/21</a:t>
             </a:fld>
             <a:endParaRPr lang="en-US"/>
           </a:p>
@@ -2739,7 +2739,7 @@
           <a:p>
             <a:fld id="{D1204122-BE1C-8847-A54C-74D36317ACF8}" type="datetimeFigureOut">
               <a:rPr lang="en-US" smtClean="0"/>
-              <a:t>9/13/21</a:t>
+              <a:t>9/16/21</a:t>
             </a:fld>
             <a:endParaRPr lang="en-US"/>
           </a:p>
@@ -3027,7 +3027,7 @@
           <a:p>
             <a:fld id="{D1204122-BE1C-8847-A54C-74D36317ACF8}" type="datetimeFigureOut">
               <a:rPr lang="en-US" smtClean="0"/>
-              <a:t>9/13/21</a:t>
+              <a:t>9/16/21</a:t>
             </a:fld>
             <a:endParaRPr lang="en-US"/>
           </a:p>
@@ -3268,7 +3268,7 @@
           <a:p>
             <a:fld id="{D1204122-BE1C-8847-A54C-74D36317ACF8}" type="datetimeFigureOut">
               <a:rPr lang="en-US" smtClean="0"/>
-              <a:t>9/13/21</a:t>
+              <a:t>9/16/21</a:t>
             </a:fld>
             <a:endParaRPr lang="en-US"/>
           </a:p>
@@ -4172,7 +4172,7 @@
         <p:spPr>
           <a:xfrm>
             <a:off x="4088360" y="758695"/>
-            <a:ext cx="2888407" cy="911647"/>
+            <a:ext cx="2888407" cy="290755"/>
           </a:xfrm>
           <a:prstGeom prst="rect">
             <a:avLst/>
